--- a/EMC-TM-HoangHuuHan-Team-Interns-Introduction.pptx
+++ b/EMC-TM-HoangHuuHan-Team-Interns-Introduction.pptx
@@ -2952,68 +2952,6 @@
           </a:p>
         </p:txBody>
       </p:sp>
-      <p:sp>
-        <p:nvSpPr>
-          <p:cNvPr id="30" name="TextBox 29">
-            <a:extLst>
-              <a:ext uri="{FF2B5EF4-FFF2-40B4-BE49-F238E27FC236}">
-                <a16:creationId xmlns:a16="http://schemas.microsoft.com/office/drawing/2014/main" id="{D6E98837-6D35-4B26-8005-216098F6BC9A}"/>
-              </a:ext>
-            </a:extLst>
-          </p:cNvPr>
-          <p:cNvSpPr txBox="1"/>
-          <p:nvPr/>
-        </p:nvSpPr>
-        <p:spPr>
-          <a:xfrm>
-            <a:off x="129506" y="5530201"/>
-            <a:ext cx="5202906" cy="341504"/>
-          </a:xfrm>
-          <a:prstGeom prst="rect">
-            <a:avLst/>
-          </a:prstGeom>
-          <a:noFill/>
-        </p:spPr>
-        <p:txBody>
-          <a:bodyPr wrap="square">
-            <a:spAutoFit/>
-          </a:bodyPr>
-          <a:lstStyle/>
-          <a:p>
-            <a:pPr algn="l"/>
-            <a:r>
-              <a:rPr lang="vi-VN" sz="1619" dirty="0">
-                <a:latin typeface="Calibri" panose="020F0502020204030204" pitchFamily="34" charset="0"/>
-                <a:cs typeface="Calibri" panose="020F0502020204030204" pitchFamily="34" charset="0"/>
-              </a:rPr>
-              <a:t>Internal project </a:t>
-            </a:r>
-            <a:r>
-              <a:rPr lang="en-US" sz="1619" dirty="0"/>
-              <a:t>details: </a:t>
-            </a:r>
-            <a:r>
-              <a:rPr lang="en-US" sz="1619" dirty="0">
-                <a:hlinkClick r:id="rId7"/>
-              </a:rPr>
-              <a:t>achievement of </a:t>
-            </a:r>
-            <a:r>
-              <a:rPr lang="en-US" sz="1619" dirty="0" err="1">
-                <a:hlinkClick r:id="rId7"/>
-              </a:rPr>
-              <a:t>hanhh</a:t>
-            </a:r>
-            <a:r>
-              <a:rPr lang="en-US" sz="1619" dirty="0">
-                <a:hlinkClick r:id="rId7"/>
-              </a:rPr>
-              <a:t> </a:t>
-            </a:r>
-            <a:endParaRPr lang="en-US" sz="1619" dirty="0"/>
-          </a:p>
-        </p:txBody>
-      </p:sp>
       <p:pic>
         <p:nvPicPr>
           <p:cNvPr id="4" name="Picture 3">
@@ -3029,7 +2967,7 @@
           <p:nvPr/>
         </p:nvPicPr>
         <p:blipFill>
-          <a:blip r:embed="rId8" cstate="print">
+          <a:blip r:embed="rId7" cstate="print">
             <a:extLst>
               <a:ext uri="{28A0092B-C50C-407E-A947-70E740481C1C}">
                 <a14:useLocalDpi xmlns:a14="http://schemas.microsoft.com/office/drawing/2010/main" val="0"/>
@@ -3065,7 +3003,7 @@
           <p:nvPr/>
         </p:nvPicPr>
         <p:blipFill>
-          <a:blip r:embed="rId9" cstate="print">
+          <a:blip r:embed="rId8" cstate="print">
             <a:extLst>
               <a:ext uri="{28A0092B-C50C-407E-A947-70E740481C1C}">
                 <a14:useLocalDpi xmlns:a14="http://schemas.microsoft.com/office/drawing/2010/main" val="0"/>
@@ -3101,7 +3039,7 @@
           <p:nvPr/>
         </p:nvPicPr>
         <p:blipFill>
-          <a:blip r:embed="rId10" cstate="print">
+          <a:blip r:embed="rId9" cstate="print">
             <a:extLst>
               <a:ext uri="{28A0092B-C50C-407E-A947-70E740481C1C}">
                 <a14:useLocalDpi xmlns:a14="http://schemas.microsoft.com/office/drawing/2010/main" val="0"/>
@@ -3170,7 +3108,7 @@
             <a:r>
               <a:rPr lang="en-US" sz="1400" dirty="0">
                 <a:latin typeface="Bosch Office Sans"/>
-                <a:hlinkClick r:id="rId11"/>
+                <a:hlinkClick r:id="rId10"/>
               </a:rPr>
               <a:t>Hoang Huu Han - CV.pdf</a:t>
             </a:r>
@@ -3185,7 +3123,7 @@
             </a:pPr>
             <a:r>
               <a:rPr lang="en-US" sz="1400" dirty="0">
-                <a:hlinkClick r:id="rId12"/>
+                <a:hlinkClick r:id="rId11"/>
               </a:rPr>
               <a:t>EMC32-Intern plan-hanhh-20221118.pdf</a:t>
             </a:r>
@@ -3201,7 +3139,7 @@
             </a:pPr>
             <a:r>
               <a:rPr lang="fr-FR" sz="1400" dirty="0">
-                <a:hlinkClick r:id="rId13"/>
+                <a:hlinkClick r:id="rId12"/>
               </a:rPr>
               <a:t>ESNS-Linux Client-QT-QML Final Code Simulation .mp4</a:t>
             </a:r>
@@ -3224,7 +3162,7 @@
           <p:nvPr/>
         </p:nvPicPr>
         <p:blipFill>
-          <a:blip r:embed="rId14" cstate="print">
+          <a:blip r:embed="rId13" cstate="print">
             <a:extLst>
               <a:ext uri="{28A0092B-C50C-407E-A947-70E740481C1C}">
                 <a14:useLocalDpi xmlns:a14="http://schemas.microsoft.com/office/drawing/2010/main" val="0"/>
@@ -3260,7 +3198,7 @@
           <p:nvPr/>
         </p:nvPicPr>
         <p:blipFill>
-          <a:blip r:embed="rId15" cstate="print">
+          <a:blip r:embed="rId14" cstate="print">
             <a:extLst>
               <a:ext uri="{28A0092B-C50C-407E-A947-70E740481C1C}">
                 <a14:useLocalDpi xmlns:a14="http://schemas.microsoft.com/office/drawing/2010/main" val="0"/>
@@ -3296,7 +3234,7 @@
           <p:nvPr/>
         </p:nvPicPr>
         <p:blipFill>
-          <a:blip r:embed="rId16"/>
+          <a:blip r:embed="rId15"/>
           <a:stretch>
             <a:fillRect/>
           </a:stretch>
